--- a/notes/Package Schema.pptx
+++ b/notes/Package Schema.pptx
@@ -105,6 +105,11 @@
       </a:defRPr>
     </a:lvl9pPr>
   </p:defaultTextStyle>
+  <p:extLst>
+    <p:ext uri="{EFAFB233-063F-42B5-8137-9DF3F51BA10A}">
+      <p15:sldGuideLst xmlns:p15="http://schemas.microsoft.com/office/powerpoint/2012/main"/>
+    </p:ext>
+  </p:extLst>
 </p:presentation>
 </file>
 
@@ -239,7 +244,7 @@
           <a:p>
             <a:fld id="{A7BF6951-528C-4819-AE44-DF7DC913A1F7}" type="datetimeFigureOut">
               <a:rPr lang="en-US" smtClean="0"/>
-              <a:t>2/9/2022</a:t>
+              <a:t>2/23/2022</a:t>
             </a:fld>
             <a:endParaRPr lang="en-US"/>
           </a:p>
@@ -409,7 +414,7 @@
           <a:p>
             <a:fld id="{A7BF6951-528C-4819-AE44-DF7DC913A1F7}" type="datetimeFigureOut">
               <a:rPr lang="en-US" smtClean="0"/>
-              <a:t>2/9/2022</a:t>
+              <a:t>2/23/2022</a:t>
             </a:fld>
             <a:endParaRPr lang="en-US"/>
           </a:p>
@@ -589,7 +594,7 @@
           <a:p>
             <a:fld id="{A7BF6951-528C-4819-AE44-DF7DC913A1F7}" type="datetimeFigureOut">
               <a:rPr lang="en-US" smtClean="0"/>
-              <a:t>2/9/2022</a:t>
+              <a:t>2/23/2022</a:t>
             </a:fld>
             <a:endParaRPr lang="en-US"/>
           </a:p>
@@ -759,7 +764,7 @@
           <a:p>
             <a:fld id="{A7BF6951-528C-4819-AE44-DF7DC913A1F7}" type="datetimeFigureOut">
               <a:rPr lang="en-US" smtClean="0"/>
-              <a:t>2/9/2022</a:t>
+              <a:t>2/23/2022</a:t>
             </a:fld>
             <a:endParaRPr lang="en-US"/>
           </a:p>
@@ -1005,7 +1010,7 @@
           <a:p>
             <a:fld id="{A7BF6951-528C-4819-AE44-DF7DC913A1F7}" type="datetimeFigureOut">
               <a:rPr lang="en-US" smtClean="0"/>
-              <a:t>2/9/2022</a:t>
+              <a:t>2/23/2022</a:t>
             </a:fld>
             <a:endParaRPr lang="en-US"/>
           </a:p>
@@ -1237,7 +1242,7 @@
           <a:p>
             <a:fld id="{A7BF6951-528C-4819-AE44-DF7DC913A1F7}" type="datetimeFigureOut">
               <a:rPr lang="en-US" smtClean="0"/>
-              <a:t>2/9/2022</a:t>
+              <a:t>2/23/2022</a:t>
             </a:fld>
             <a:endParaRPr lang="en-US"/>
           </a:p>
@@ -1604,7 +1609,7 @@
           <a:p>
             <a:fld id="{A7BF6951-528C-4819-AE44-DF7DC913A1F7}" type="datetimeFigureOut">
               <a:rPr lang="en-US" smtClean="0"/>
-              <a:t>2/9/2022</a:t>
+              <a:t>2/23/2022</a:t>
             </a:fld>
             <a:endParaRPr lang="en-US"/>
           </a:p>
@@ -1722,7 +1727,7 @@
           <a:p>
             <a:fld id="{A7BF6951-528C-4819-AE44-DF7DC913A1F7}" type="datetimeFigureOut">
               <a:rPr lang="en-US" smtClean="0"/>
-              <a:t>2/9/2022</a:t>
+              <a:t>2/23/2022</a:t>
             </a:fld>
             <a:endParaRPr lang="en-US"/>
           </a:p>
@@ -1817,7 +1822,7 @@
           <a:p>
             <a:fld id="{A7BF6951-528C-4819-AE44-DF7DC913A1F7}" type="datetimeFigureOut">
               <a:rPr lang="en-US" smtClean="0"/>
-              <a:t>2/9/2022</a:t>
+              <a:t>2/23/2022</a:t>
             </a:fld>
             <a:endParaRPr lang="en-US"/>
           </a:p>
@@ -2094,7 +2099,7 @@
           <a:p>
             <a:fld id="{A7BF6951-528C-4819-AE44-DF7DC913A1F7}" type="datetimeFigureOut">
               <a:rPr lang="en-US" smtClean="0"/>
-              <a:t>2/9/2022</a:t>
+              <a:t>2/23/2022</a:t>
             </a:fld>
             <a:endParaRPr lang="en-US"/>
           </a:p>
@@ -2351,7 +2356,7 @@
           <a:p>
             <a:fld id="{A7BF6951-528C-4819-AE44-DF7DC913A1F7}" type="datetimeFigureOut">
               <a:rPr lang="en-US" smtClean="0"/>
-              <a:t>2/9/2022</a:t>
+              <a:t>2/23/2022</a:t>
             </a:fld>
             <a:endParaRPr lang="en-US"/>
           </a:p>
@@ -2564,7 +2569,7 @@
           <a:p>
             <a:fld id="{A7BF6951-528C-4819-AE44-DF7DC913A1F7}" type="datetimeFigureOut">
               <a:rPr lang="en-US" smtClean="0"/>
-              <a:t>2/9/2022</a:t>
+              <a:t>2/23/2022</a:t>
             </a:fld>
             <a:endParaRPr lang="en-US"/>
           </a:p>
@@ -6735,13 +6740,8 @@
             </a:pPr>
             <a:r>
               <a:rPr lang="en-US" sz="2000" dirty="0"/>
-              <a:t>Pre-</a:t>
-            </a:r>
-            <a:r>
-              <a:rPr lang="en-US" sz="2000" dirty="0" err="1"/>
-              <a:t>proccesed</a:t>
-            </a:r>
-            <a:endParaRPr lang="en-US" sz="2000" dirty="0"/>
+              <a:t>Pre-processed</a:t>
+            </a:r>
           </a:p>
         </p:txBody>
       </p:sp>
